--- a/reports/Project Status 11.pptx
+++ b/reports/Project Status 11.pptx
@@ -10,6 +10,9 @@
     <p:sldId id="258" r:id="rId4"/>
     <p:sldId id="259" r:id="rId5"/>
     <p:sldId id="260" r:id="rId6"/>
+    <p:sldId id="261" r:id="rId7"/>
+    <p:sldId id="262" r:id="rId8"/>
+    <p:sldId id="263" r:id="rId9"/>
   </p:sldIdLst>
   <p:sldSz cx="12192000" cy="6858000"/>
   <p:notesSz cx="6858000" cy="9144000"/>
@@ -108,7 +111,284 @@
       </a:defRPr>
     </a:lvl9pPr>
   </p:defaultTextStyle>
+  <p:extLst>
+    <p:ext uri="{EFAFB233-063F-42B5-8137-9DF3F51BA10A}">
+      <p15:sldGuideLst xmlns:p15="http://schemas.microsoft.com/office/powerpoint/2012/main"/>
+    </p:ext>
+  </p:extLst>
 </p:presentation>
+</file>
+
+<file path=ppt/revisionInfo.xml><?xml version="1.0" encoding="utf-8"?>
+<p1510:revInfo xmlns:a="http://schemas.openxmlformats.org/drawingml/2006/main" xmlns:r="http://schemas.openxmlformats.org/officeDocument/2006/relationships" xmlns:p1510="http://schemas.microsoft.com/office/powerpoint/2015/10/main">
+  <p1510:revLst>
+    <p1510:client id="{DF9C7FDC-41BD-4101-9576-5270C8D7EB0C}" v="56" dt="2018-10-16T05:40:20.333"/>
+  </p1510:revLst>
+</p1510:revInfo>
+</file>
+
+<file path=ppt/changesInfos/changesInfo1.xml><?xml version="1.0" encoding="utf-8"?>
+<pc:chgInfo xmlns:a="http://schemas.openxmlformats.org/drawingml/2006/main" xmlns:r="http://schemas.openxmlformats.org/officeDocument/2006/relationships" xmlns:ac="http://schemas.microsoft.com/office/drawing/2013/main/command" xmlns:pc="http://schemas.microsoft.com/office/powerpoint/2013/main/command">
+  <pc:docChgLst>
+    <pc:chgData name="Arunabh Ghosh" userId="7064b204c6fa9c53" providerId="LiveId" clId="{DF9C7FDC-41BD-4101-9576-5270C8D7EB0C}"/>
+    <pc:docChg chg="undo redo custSel mod addSld delSld modSld">
+      <pc:chgData name="Arunabh Ghosh" userId="7064b204c6fa9c53" providerId="LiveId" clId="{DF9C7FDC-41BD-4101-9576-5270C8D7EB0C}" dt="2018-10-16T05:32:42.338" v="864" actId="20577"/>
+      <pc:docMkLst>
+        <pc:docMk/>
+      </pc:docMkLst>
+      <pc:sldChg chg="addSp delSp modSp mod setBg">
+        <pc:chgData name="Arunabh Ghosh" userId="7064b204c6fa9c53" providerId="LiveId" clId="{DF9C7FDC-41BD-4101-9576-5270C8D7EB0C}" dt="2018-10-15T18:17:24.442" v="631" actId="14100"/>
+        <pc:sldMkLst>
+          <pc:docMk/>
+          <pc:sldMk cId="1283618582" sldId="260"/>
+        </pc:sldMkLst>
+        <pc:spChg chg="mod">
+          <ac:chgData name="Arunabh Ghosh" userId="7064b204c6fa9c53" providerId="LiveId" clId="{DF9C7FDC-41BD-4101-9576-5270C8D7EB0C}" dt="2018-10-15T18:16:13.454" v="616" actId="26606"/>
+          <ac:spMkLst>
+            <pc:docMk/>
+            <pc:sldMk cId="1283618582" sldId="260"/>
+            <ac:spMk id="2" creationId="{92F165F2-48DC-453E-BA64-73291535B465}"/>
+          </ac:spMkLst>
+        </pc:spChg>
+        <pc:spChg chg="mod">
+          <ac:chgData name="Arunabh Ghosh" userId="7064b204c6fa9c53" providerId="LiveId" clId="{DF9C7FDC-41BD-4101-9576-5270C8D7EB0C}" dt="2018-10-15T18:16:13.454" v="616" actId="26606"/>
+          <ac:spMkLst>
+            <pc:docMk/>
+            <pc:sldMk cId="1283618582" sldId="260"/>
+            <ac:spMk id="3" creationId="{BF063A80-4C6E-4273-9049-5356DAE77A48}"/>
+          </ac:spMkLst>
+        </pc:spChg>
+        <pc:spChg chg="add">
+          <ac:chgData name="Arunabh Ghosh" userId="7064b204c6fa9c53" providerId="LiveId" clId="{DF9C7FDC-41BD-4101-9576-5270C8D7EB0C}" dt="2018-10-15T18:16:13.454" v="616" actId="26606"/>
+          <ac:spMkLst>
+            <pc:docMk/>
+            <pc:sldMk cId="1283618582" sldId="260"/>
+            <ac:spMk id="10" creationId="{E02F3C71-C981-4614-98EA-D6C494F8091E}"/>
+          </ac:spMkLst>
+        </pc:spChg>
+        <pc:picChg chg="add mod ord">
+          <ac:chgData name="Arunabh Ghosh" userId="7064b204c6fa9c53" providerId="LiveId" clId="{DF9C7FDC-41BD-4101-9576-5270C8D7EB0C}" dt="2018-10-15T18:17:19.830" v="629" actId="14100"/>
+          <ac:picMkLst>
+            <pc:docMk/>
+            <pc:sldMk cId="1283618582" sldId="260"/>
+            <ac:picMk id="4" creationId="{7BF6E99A-E641-423F-8B24-0EE86E3DB3DF}"/>
+          </ac:picMkLst>
+        </pc:picChg>
+        <pc:picChg chg="add mod modCrop">
+          <ac:chgData name="Arunabh Ghosh" userId="7064b204c6fa9c53" providerId="LiveId" clId="{DF9C7FDC-41BD-4101-9576-5270C8D7EB0C}" dt="2018-10-15T18:17:24.442" v="631" actId="14100"/>
+          <ac:picMkLst>
+            <pc:docMk/>
+            <pc:sldMk cId="1283618582" sldId="260"/>
+            <ac:picMk id="5" creationId="{237B891F-6718-4F8F-A79E-CC9E66BC9037}"/>
+          </ac:picMkLst>
+        </pc:picChg>
+        <pc:picChg chg="add del mod">
+          <ac:chgData name="Arunabh Ghosh" userId="7064b204c6fa9c53" providerId="LiveId" clId="{DF9C7FDC-41BD-4101-9576-5270C8D7EB0C}" dt="2018-10-15T18:07:59.660" v="228"/>
+          <ac:picMkLst>
+            <pc:docMk/>
+            <pc:sldMk cId="1283618582" sldId="260"/>
+            <ac:picMk id="1026" creationId="{CAA90BF8-9A9F-44CF-8F73-32B0EBD0AB16}"/>
+          </ac:picMkLst>
+        </pc:picChg>
+        <pc:picChg chg="add del">
+          <ac:chgData name="Arunabh Ghosh" userId="7064b204c6fa9c53" providerId="LiveId" clId="{DF9C7FDC-41BD-4101-9576-5270C8D7EB0C}" dt="2018-10-15T18:08:01.644" v="230"/>
+          <ac:picMkLst>
+            <pc:docMk/>
+            <pc:sldMk cId="1283618582" sldId="260"/>
+            <ac:picMk id="1028" creationId="{FC630359-5CB5-4592-8503-77D6F80C3DBE}"/>
+          </ac:picMkLst>
+        </pc:picChg>
+        <pc:picChg chg="add del mod">
+          <ac:chgData name="Arunabh Ghosh" userId="7064b204c6fa9c53" providerId="LiveId" clId="{DF9C7FDC-41BD-4101-9576-5270C8D7EB0C}" dt="2018-10-15T18:08:23.479" v="237" actId="478"/>
+          <ac:picMkLst>
+            <pc:docMk/>
+            <pc:sldMk cId="1283618582" sldId="260"/>
+            <ac:picMk id="1030" creationId="{C8C971B5-B705-466C-BD9C-E8813A2435E7}"/>
+          </ac:picMkLst>
+        </pc:picChg>
+        <pc:picChg chg="add del mod">
+          <ac:chgData name="Arunabh Ghosh" userId="7064b204c6fa9c53" providerId="LiveId" clId="{DF9C7FDC-41BD-4101-9576-5270C8D7EB0C}" dt="2018-10-15T18:10:32.067" v="361" actId="478"/>
+          <ac:picMkLst>
+            <pc:docMk/>
+            <pc:sldMk cId="1283618582" sldId="260"/>
+            <ac:picMk id="1032" creationId="{A777A2FF-BDFA-4842-9049-F21ACF131DDB}"/>
+          </ac:picMkLst>
+        </pc:picChg>
+      </pc:sldChg>
+      <pc:sldChg chg="addSp modSp add mod setBg">
+        <pc:chgData name="Arunabh Ghosh" userId="7064b204c6fa9c53" providerId="LiveId" clId="{DF9C7FDC-41BD-4101-9576-5270C8D7EB0C}" dt="2018-10-15T18:21:02.987" v="647" actId="1076"/>
+        <pc:sldMkLst>
+          <pc:docMk/>
+          <pc:sldMk cId="2909115213" sldId="261"/>
+        </pc:sldMkLst>
+        <pc:spChg chg="mod">
+          <ac:chgData name="Arunabh Ghosh" userId="7064b204c6fa9c53" providerId="LiveId" clId="{DF9C7FDC-41BD-4101-9576-5270C8D7EB0C}" dt="2018-10-15T18:17:40.083" v="633" actId="26606"/>
+          <ac:spMkLst>
+            <pc:docMk/>
+            <pc:sldMk cId="2909115213" sldId="261"/>
+            <ac:spMk id="2" creationId="{6B850E50-7EFB-44B0-B6DB-683892176AD5}"/>
+          </ac:spMkLst>
+        </pc:spChg>
+        <pc:spChg chg="mod">
+          <ac:chgData name="Arunabh Ghosh" userId="7064b204c6fa9c53" providerId="LiveId" clId="{DF9C7FDC-41BD-4101-9576-5270C8D7EB0C}" dt="2018-10-15T18:17:40.083" v="633" actId="26606"/>
+          <ac:spMkLst>
+            <pc:docMk/>
+            <pc:sldMk cId="2909115213" sldId="261"/>
+            <ac:spMk id="3" creationId="{8930C455-CB0C-4316-A657-2109F9E6EC5F}"/>
+          </ac:spMkLst>
+        </pc:spChg>
+        <pc:spChg chg="add">
+          <ac:chgData name="Arunabh Ghosh" userId="7064b204c6fa9c53" providerId="LiveId" clId="{DF9C7FDC-41BD-4101-9576-5270C8D7EB0C}" dt="2018-10-15T18:17:40.083" v="633" actId="26606"/>
+          <ac:spMkLst>
+            <pc:docMk/>
+            <pc:sldMk cId="2909115213" sldId="261"/>
+            <ac:spMk id="10" creationId="{E02F3C71-C981-4614-98EA-D6C494F8091E}"/>
+          </ac:spMkLst>
+        </pc:spChg>
+        <pc:picChg chg="add mod ord">
+          <ac:chgData name="Arunabh Ghosh" userId="7064b204c6fa9c53" providerId="LiveId" clId="{DF9C7FDC-41BD-4101-9576-5270C8D7EB0C}" dt="2018-10-15T18:20:24.390" v="643" actId="14100"/>
+          <ac:picMkLst>
+            <pc:docMk/>
+            <pc:sldMk cId="2909115213" sldId="261"/>
+            <ac:picMk id="4" creationId="{B287B309-A31E-4237-87D1-1552C3AB0A45}"/>
+          </ac:picMkLst>
+        </pc:picChg>
+        <pc:picChg chg="add mod modCrop">
+          <ac:chgData name="Arunabh Ghosh" userId="7064b204c6fa9c53" providerId="LiveId" clId="{DF9C7FDC-41BD-4101-9576-5270C8D7EB0C}" dt="2018-10-15T18:21:02.987" v="647" actId="1076"/>
+          <ac:picMkLst>
+            <pc:docMk/>
+            <pc:sldMk cId="2909115213" sldId="261"/>
+            <ac:picMk id="5" creationId="{CC5C3C32-AA95-45A2-A469-99C48D6B6665}"/>
+          </ac:picMkLst>
+        </pc:picChg>
+      </pc:sldChg>
+      <pc:sldChg chg="addSp delSp modSp add">
+        <pc:chgData name="Arunabh Ghosh" userId="7064b204c6fa9c53" providerId="LiveId" clId="{DF9C7FDC-41BD-4101-9576-5270C8D7EB0C}" dt="2018-10-16T05:32:42.338" v="864" actId="20577"/>
+        <pc:sldMkLst>
+          <pc:docMk/>
+          <pc:sldMk cId="3368495655" sldId="262"/>
+        </pc:sldMkLst>
+        <pc:spChg chg="mod">
+          <ac:chgData name="Arunabh Ghosh" userId="7064b204c6fa9c53" providerId="LiveId" clId="{DF9C7FDC-41BD-4101-9576-5270C8D7EB0C}" dt="2018-10-15T18:22:25.654" v="697" actId="20577"/>
+          <ac:spMkLst>
+            <pc:docMk/>
+            <pc:sldMk cId="3368495655" sldId="262"/>
+            <ac:spMk id="2" creationId="{9D5BF59D-708E-4278-B672-5ADE784FEFBD}"/>
+          </ac:spMkLst>
+        </pc:spChg>
+        <pc:spChg chg="mod">
+          <ac:chgData name="Arunabh Ghosh" userId="7064b204c6fa9c53" providerId="LiveId" clId="{DF9C7FDC-41BD-4101-9576-5270C8D7EB0C}" dt="2018-10-16T05:32:42.338" v="864" actId="20577"/>
+          <ac:spMkLst>
+            <pc:docMk/>
+            <pc:sldMk cId="3368495655" sldId="262"/>
+            <ac:spMk id="3" creationId="{ABA99397-1E92-483B-8F95-FE8F57E71284}"/>
+          </ac:spMkLst>
+        </pc:spChg>
+        <pc:graphicFrameChg chg="add del mod">
+          <ac:chgData name="Arunabh Ghosh" userId="7064b204c6fa9c53" providerId="LiveId" clId="{DF9C7FDC-41BD-4101-9576-5270C8D7EB0C}" dt="2018-10-15T18:25:55.822" v="722" actId="478"/>
+          <ac:graphicFrameMkLst>
+            <pc:docMk/>
+            <pc:sldMk cId="3368495655" sldId="262"/>
+            <ac:graphicFrameMk id="4" creationId="{02EF4CC1-E4B0-4D68-851E-1A6D3D5517FC}"/>
+          </ac:graphicFrameMkLst>
+        </pc:graphicFrameChg>
+        <pc:graphicFrameChg chg="add mod">
+          <ac:chgData name="Arunabh Ghosh" userId="7064b204c6fa9c53" providerId="LiveId" clId="{DF9C7FDC-41BD-4101-9576-5270C8D7EB0C}" dt="2018-10-16T05:32:35.281" v="862"/>
+          <ac:graphicFrameMkLst>
+            <pc:docMk/>
+            <pc:sldMk cId="3368495655" sldId="262"/>
+            <ac:graphicFrameMk id="5" creationId="{E841E630-EA9E-41D4-9120-8073D21FC509}"/>
+          </ac:graphicFrameMkLst>
+        </pc:graphicFrameChg>
+      </pc:sldChg>
+      <pc:sldChg chg="modSp add del">
+        <pc:chgData name="Arunabh Ghosh" userId="7064b204c6fa9c53" providerId="LiveId" clId="{DF9C7FDC-41BD-4101-9576-5270C8D7EB0C}" dt="2018-10-15T18:43:28.201" v="793" actId="2696"/>
+        <pc:sldMkLst>
+          <pc:docMk/>
+          <pc:sldMk cId="2314131799" sldId="263"/>
+        </pc:sldMkLst>
+        <pc:spChg chg="mod">
+          <ac:chgData name="Arunabh Ghosh" userId="7064b204c6fa9c53" providerId="LiveId" clId="{DF9C7FDC-41BD-4101-9576-5270C8D7EB0C}" dt="2018-10-15T18:29:04.608" v="778"/>
+          <ac:spMkLst>
+            <pc:docMk/>
+            <pc:sldMk cId="2314131799" sldId="263"/>
+            <ac:spMk id="2" creationId="{BCD31DEA-ACEB-403C-9E83-1AA5AC35C401}"/>
+          </ac:spMkLst>
+        </pc:spChg>
+        <pc:spChg chg="mod">
+          <ac:chgData name="Arunabh Ghosh" userId="7064b204c6fa9c53" providerId="LiveId" clId="{DF9C7FDC-41BD-4101-9576-5270C8D7EB0C}" dt="2018-10-15T18:34:43.398" v="791" actId="20577"/>
+          <ac:spMkLst>
+            <pc:docMk/>
+            <pc:sldMk cId="2314131799" sldId="263"/>
+            <ac:spMk id="3" creationId="{740E94F0-C72A-4B12-AF8E-AE496CA99A78}"/>
+          </ac:spMkLst>
+        </pc:spChg>
+      </pc:sldChg>
+      <pc:sldChg chg="addSp modSp add">
+        <pc:chgData name="Arunabh Ghosh" userId="7064b204c6fa9c53" providerId="LiveId" clId="{DF9C7FDC-41BD-4101-9576-5270C8D7EB0C}" dt="2018-10-16T05:29:57.202" v="851"/>
+        <pc:sldMkLst>
+          <pc:docMk/>
+          <pc:sldMk cId="2844177642" sldId="263"/>
+        </pc:sldMkLst>
+        <pc:spChg chg="mod">
+          <ac:chgData name="Arunabh Ghosh" userId="7064b204c6fa9c53" providerId="LiveId" clId="{DF9C7FDC-41BD-4101-9576-5270C8D7EB0C}" dt="2018-10-16T02:12:09.056" v="823" actId="20577"/>
+          <ac:spMkLst>
+            <pc:docMk/>
+            <pc:sldMk cId="2844177642" sldId="263"/>
+            <ac:spMk id="2" creationId="{2C2D4AE0-85B0-4B56-BFF4-865AE074E1EE}"/>
+          </ac:spMkLst>
+        </pc:spChg>
+        <pc:spChg chg="mod">
+          <ac:chgData name="Arunabh Ghosh" userId="7064b204c6fa9c53" providerId="LiveId" clId="{DF9C7FDC-41BD-4101-9576-5270C8D7EB0C}" dt="2018-10-16T02:12:36.218" v="830" actId="20577"/>
+          <ac:spMkLst>
+            <pc:docMk/>
+            <pc:sldMk cId="2844177642" sldId="263"/>
+            <ac:spMk id="3" creationId="{609D9759-CF94-4443-A048-CFA79BF8A4B2}"/>
+          </ac:spMkLst>
+        </pc:spChg>
+        <pc:graphicFrameChg chg="add mod">
+          <ac:chgData name="Arunabh Ghosh" userId="7064b204c6fa9c53" providerId="LiveId" clId="{DF9C7FDC-41BD-4101-9576-5270C8D7EB0C}" dt="2018-10-16T05:29:57.202" v="851"/>
+          <ac:graphicFrameMkLst>
+            <pc:docMk/>
+            <pc:sldMk cId="2844177642" sldId="263"/>
+            <ac:graphicFrameMk id="4" creationId="{BDD67FD2-B835-40F2-B0A4-25C7784C2059}"/>
+          </ac:graphicFrameMkLst>
+        </pc:graphicFrameChg>
+      </pc:sldChg>
+      <pc:sldChg chg="addSp delSp modSp add del">
+        <pc:chgData name="Arunabh Ghosh" userId="7064b204c6fa9c53" providerId="LiveId" clId="{DF9C7FDC-41BD-4101-9576-5270C8D7EB0C}" dt="2018-10-16T05:32:25.561" v="859"/>
+        <pc:sldMkLst>
+          <pc:docMk/>
+          <pc:sldMk cId="2126895145" sldId="264"/>
+        </pc:sldMkLst>
+        <pc:spChg chg="mod">
+          <ac:chgData name="Arunabh Ghosh" userId="7064b204c6fa9c53" providerId="LiveId" clId="{DF9C7FDC-41BD-4101-9576-5270C8D7EB0C}" dt="2018-10-16T05:29:00.207" v="844" actId="20577"/>
+          <ac:spMkLst>
+            <pc:docMk/>
+            <pc:sldMk cId="2126895145" sldId="264"/>
+            <ac:spMk id="3" creationId="{ABA99397-1E92-483B-8F95-FE8F57E71284}"/>
+          </ac:spMkLst>
+        </pc:spChg>
+        <pc:graphicFrameChg chg="add mod">
+          <ac:chgData name="Arunabh Ghosh" userId="7064b204c6fa9c53" providerId="LiveId" clId="{DF9C7FDC-41BD-4101-9576-5270C8D7EB0C}" dt="2018-10-16T05:32:25.561" v="859"/>
+          <ac:graphicFrameMkLst>
+            <pc:docMk/>
+            <pc:sldMk cId="2126895145" sldId="264"/>
+            <ac:graphicFrameMk id="4" creationId="{1198992B-E9EA-4CC5-B4A6-A3A49A95C7AF}"/>
+          </ac:graphicFrameMkLst>
+        </pc:graphicFrameChg>
+        <pc:graphicFrameChg chg="del">
+          <ac:chgData name="Arunabh Ghosh" userId="7064b204c6fa9c53" providerId="LiveId" clId="{DF9C7FDC-41BD-4101-9576-5270C8D7EB0C}" dt="2018-10-16T05:29:39.280" v="848" actId="478"/>
+          <ac:graphicFrameMkLst>
+            <pc:docMk/>
+            <pc:sldMk cId="2126895145" sldId="264"/>
+            <ac:graphicFrameMk id="5" creationId="{E841E630-EA9E-41D4-9120-8073D21FC509}"/>
+          </ac:graphicFrameMkLst>
+        </pc:graphicFrameChg>
+      </pc:sldChg>
+    </pc:docChg>
+  </pc:docChgLst>
+</pc:chgInfo>
 </file>
 
 <file path=ppt/slideLayouts/slideLayout1.xml><?xml version="1.0" encoding="utf-8"?>
@@ -260,7 +540,7 @@
           <a:p>
             <a:fld id="{7754EFD0-D016-4769-A6DB-24DE9C68DA28}" type="datetimeFigureOut">
               <a:rPr lang="en-IN" smtClean="0"/>
-              <a:t>15-10-2018</a:t>
+              <a:t>16-10-2018</a:t>
             </a:fld>
             <a:endParaRPr lang="en-IN"/>
           </a:p>
@@ -460,7 +740,7 @@
           <a:p>
             <a:fld id="{7754EFD0-D016-4769-A6DB-24DE9C68DA28}" type="datetimeFigureOut">
               <a:rPr lang="en-IN" smtClean="0"/>
-              <a:t>15-10-2018</a:t>
+              <a:t>16-10-2018</a:t>
             </a:fld>
             <a:endParaRPr lang="en-IN"/>
           </a:p>
@@ -670,7 +950,7 @@
           <a:p>
             <a:fld id="{7754EFD0-D016-4769-A6DB-24DE9C68DA28}" type="datetimeFigureOut">
               <a:rPr lang="en-IN" smtClean="0"/>
-              <a:t>15-10-2018</a:t>
+              <a:t>16-10-2018</a:t>
             </a:fld>
             <a:endParaRPr lang="en-IN"/>
           </a:p>
@@ -870,7 +1150,7 @@
           <a:p>
             <a:fld id="{7754EFD0-D016-4769-A6DB-24DE9C68DA28}" type="datetimeFigureOut">
               <a:rPr lang="en-IN" smtClean="0"/>
-              <a:t>15-10-2018</a:t>
+              <a:t>16-10-2018</a:t>
             </a:fld>
             <a:endParaRPr lang="en-IN"/>
           </a:p>
@@ -1146,7 +1426,7 @@
           <a:p>
             <a:fld id="{7754EFD0-D016-4769-A6DB-24DE9C68DA28}" type="datetimeFigureOut">
               <a:rPr lang="en-IN" smtClean="0"/>
-              <a:t>15-10-2018</a:t>
+              <a:t>16-10-2018</a:t>
             </a:fld>
             <a:endParaRPr lang="en-IN"/>
           </a:p>
@@ -1414,7 +1694,7 @@
           <a:p>
             <a:fld id="{7754EFD0-D016-4769-A6DB-24DE9C68DA28}" type="datetimeFigureOut">
               <a:rPr lang="en-IN" smtClean="0"/>
-              <a:t>15-10-2018</a:t>
+              <a:t>16-10-2018</a:t>
             </a:fld>
             <a:endParaRPr lang="en-IN"/>
           </a:p>
@@ -1829,7 +2109,7 @@
           <a:p>
             <a:fld id="{7754EFD0-D016-4769-A6DB-24DE9C68DA28}" type="datetimeFigureOut">
               <a:rPr lang="en-IN" smtClean="0"/>
-              <a:t>15-10-2018</a:t>
+              <a:t>16-10-2018</a:t>
             </a:fld>
             <a:endParaRPr lang="en-IN"/>
           </a:p>
@@ -1971,7 +2251,7 @@
           <a:p>
             <a:fld id="{7754EFD0-D016-4769-A6DB-24DE9C68DA28}" type="datetimeFigureOut">
               <a:rPr lang="en-IN" smtClean="0"/>
-              <a:t>15-10-2018</a:t>
+              <a:t>16-10-2018</a:t>
             </a:fld>
             <a:endParaRPr lang="en-IN"/>
           </a:p>
@@ -2084,7 +2364,7 @@
           <a:p>
             <a:fld id="{7754EFD0-D016-4769-A6DB-24DE9C68DA28}" type="datetimeFigureOut">
               <a:rPr lang="en-IN" smtClean="0"/>
-              <a:t>15-10-2018</a:t>
+              <a:t>16-10-2018</a:t>
             </a:fld>
             <a:endParaRPr lang="en-IN"/>
           </a:p>
@@ -2397,7 +2677,7 @@
           <a:p>
             <a:fld id="{7754EFD0-D016-4769-A6DB-24DE9C68DA28}" type="datetimeFigureOut">
               <a:rPr lang="en-IN" smtClean="0"/>
-              <a:t>15-10-2018</a:t>
+              <a:t>16-10-2018</a:t>
             </a:fld>
             <a:endParaRPr lang="en-IN"/>
           </a:p>
@@ -2686,7 +2966,7 @@
           <a:p>
             <a:fld id="{7754EFD0-D016-4769-A6DB-24DE9C68DA28}" type="datetimeFigureOut">
               <a:rPr lang="en-IN" smtClean="0"/>
-              <a:t>15-10-2018</a:t>
+              <a:t>16-10-2018</a:t>
             </a:fld>
             <a:endParaRPr lang="en-IN"/>
           </a:p>
@@ -2929,7 +3209,7 @@
           <a:p>
             <a:fld id="{7754EFD0-D016-4769-A6DB-24DE9C68DA28}" type="datetimeFigureOut">
               <a:rPr lang="en-IN" smtClean="0"/>
-              <a:t>15-10-2018</a:t>
+              <a:t>16-10-2018</a:t>
             </a:fld>
             <a:endParaRPr lang="en-IN"/>
           </a:p>
@@ -3375,8 +3655,8 @@
           </a:p>
         </p:txBody>
       </p:sp>
-      <mc:AlternateContent xmlns:mc="http://schemas.openxmlformats.org/markup-compatibility/2006">
-        <mc:Choice xmlns:a14="http://schemas.microsoft.com/office/drawing/2010/main" Requires="a14">
+      <mc:AlternateContent xmlns:mc="http://schemas.openxmlformats.org/markup-compatibility/2006" xmlns:a14="http://schemas.microsoft.com/office/drawing/2010/main">
+        <mc:Choice Requires="a14">
           <p:sp>
             <p:nvSpPr>
               <p:cNvPr id="5" name="Content Placeholder 4">
@@ -3454,7 +3734,7 @@
             </p:txBody>
           </p:sp>
         </mc:Choice>
-        <mc:Fallback>
+        <mc:Fallback xmlns="">
           <p:sp>
             <p:nvSpPr>
               <p:cNvPr id="5" name="Content Placeholder 4">
@@ -4190,6 +4470,14 @@
 <file path=ppt/slides/slide5.xml><?xml version="1.0" encoding="utf-8"?>
 <p:sld xmlns:a="http://schemas.openxmlformats.org/drawingml/2006/main" xmlns:r="http://schemas.openxmlformats.org/officeDocument/2006/relationships" xmlns:p="http://schemas.openxmlformats.org/presentationml/2006/main">
   <p:cSld>
+    <p:bg>
+      <p:bgPr>
+        <a:solidFill>
+          <a:schemeClr val="bg1"/>
+        </a:solidFill>
+        <a:effectLst/>
+      </p:bgPr>
+    </p:bg>
     <p:spTree>
       <p:nvGrpSpPr>
         <p:cNvPr id="1" name=""/>
@@ -4206,6 +4494,75 @@
       </p:grpSpPr>
       <p:sp>
         <p:nvSpPr>
+          <p:cNvPr id="10" name="Rectangle 9">
+            <a:extLst>
+              <a:ext uri="{FF2B5EF4-FFF2-40B4-BE49-F238E27FC236}">
+                <a16:creationId xmlns:a16="http://schemas.microsoft.com/office/drawing/2014/main" id="{E02F3C71-C981-4614-98EA-D6C494F8091E}"/>
+              </a:ext>
+              <a:ext uri="{C183D7F6-B498-43B3-948B-1728B52AA6E4}">
+                <adec:decorative xmlns:adec="http://schemas.microsoft.com/office/drawing/2017/decorative" val="1"/>
+              </a:ext>
+            </a:extLst>
+          </p:cNvPr>
+          <p:cNvSpPr>
+            <a:spLocks noGrp="1" noRot="1" noChangeAspect="1" noMove="1" noResize="1" noEditPoints="1" noAdjustHandles="1" noChangeArrowheads="1" noChangeShapeType="1" noTextEdit="1"/>
+          </p:cNvSpPr>
+          <p:nvPr>
+            <p:extLst>
+              <p:ext uri="{386F3935-93C4-4BCD-93E2-E3B085C9AB24}">
+                <p16:designElem xmlns:p16="http://schemas.microsoft.com/office/powerpoint/2015/main" val="1"/>
+              </p:ext>
+            </p:extLst>
+          </p:nvPr>
+        </p:nvSpPr>
+        <p:spPr bwMode="ltGray">
+          <a:xfrm>
+            <a:off x="336883" y="321176"/>
+            <a:ext cx="7174247" cy="5896743"/>
+          </a:xfrm>
+          <a:prstGeom prst="rect">
+            <a:avLst/>
+          </a:prstGeom>
+          <a:solidFill>
+            <a:schemeClr val="tx1">
+              <a:alpha val="15000"/>
+            </a:schemeClr>
+          </a:solidFill>
+          <a:ln w="127000" cap="sq" cmpd="thinThick">
+            <a:solidFill>
+              <a:schemeClr val="tx1">
+                <a:alpha val="10000"/>
+              </a:schemeClr>
+            </a:solidFill>
+          </a:ln>
+        </p:spPr>
+        <p:style>
+          <a:lnRef idx="2">
+            <a:schemeClr val="accent1">
+              <a:shade val="50000"/>
+            </a:schemeClr>
+          </a:lnRef>
+          <a:fillRef idx="1">
+            <a:schemeClr val="accent1"/>
+          </a:fillRef>
+          <a:effectRef idx="0">
+            <a:schemeClr val="accent1"/>
+          </a:effectRef>
+          <a:fontRef idx="minor">
+            <a:schemeClr val="lt1"/>
+          </a:fontRef>
+        </p:style>
+        <p:txBody>
+          <a:bodyPr rtlCol="0" anchor="ctr"/>
+          <a:lstStyle/>
+          <a:p>
+            <a:pPr algn="ctr"/>
+            <a:endParaRPr lang="en-US"/>
+          </a:p>
+        </p:txBody>
+      </p:sp>
+      <p:sp>
+        <p:nvSpPr>
           <p:cNvPr id="2" name="Title 1">
             <a:extLst>
               <a:ext uri="{FF2B5EF4-FFF2-40B4-BE49-F238E27FC236}">
@@ -4220,12 +4577,23 @@
             <p:ph type="title"/>
           </p:nvPr>
         </p:nvSpPr>
-        <p:spPr/>
-        <p:txBody>
-          <a:bodyPr/>
-          <a:lstStyle/>
-          <a:p>
-            <a:endParaRPr lang="en-IN"/>
+        <p:spPr>
+          <a:xfrm>
+            <a:off x="821516" y="640263"/>
+            <a:ext cx="6204984" cy="1344975"/>
+          </a:xfrm>
+        </p:spPr>
+        <p:txBody>
+          <a:bodyPr>
+            <a:normAutofit/>
+          </a:bodyPr>
+          <a:lstStyle/>
+          <a:p>
+            <a:r>
+              <a:rPr lang="en-US" sz="4000"/>
+              <a:t>How to identify the clusters</a:t>
+            </a:r>
+            <a:endParaRPr lang="en-IN" sz="4000"/>
           </a:p>
         </p:txBody>
       </p:sp>
@@ -4245,28 +4613,712 @@
             <p:ph idx="1"/>
           </p:nvPr>
         </p:nvSpPr>
-        <p:spPr/>
-        <p:txBody>
-          <a:bodyPr/>
-          <a:lstStyle/>
-          <a:p>
-            <a:r>
-              <a:rPr lang="en-IN" dirty="0">
-                <a:hlinkClick r:id="rId2"/>
-              </a:rPr>
-              <a:t>https://stats.stackexchange.com/questions/133656/how-to-understand-the-drawbacks-of-k-means</a:t>
-            </a:r>
-            <a:endParaRPr lang="en-IN" dirty="0"/>
-          </a:p>
-          <a:p>
-            <a:endParaRPr lang="en-IN" dirty="0"/>
-          </a:p>
-        </p:txBody>
-      </p:sp>
+        <p:spPr>
+          <a:xfrm>
+            <a:off x="821515" y="2121762"/>
+            <a:ext cx="6204984" cy="3626917"/>
+          </a:xfrm>
+        </p:spPr>
+        <p:txBody>
+          <a:bodyPr>
+            <a:normAutofit/>
+          </a:bodyPr>
+          <a:lstStyle/>
+          <a:p>
+            <a:r>
+              <a:rPr lang="en-US" sz="2400" dirty="0"/>
+              <a:t>K-means in such cases fails as it is not able to detect clusters of such shapes as demonstrated by the example below. </a:t>
+            </a:r>
+          </a:p>
+          <a:p>
+            <a:r>
+              <a:rPr lang="en-IN" sz="2400" dirty="0"/>
+              <a:t>Looking at this image, we humans immediately recognize two natural groups of points- there's no mistaking them. However K-means produces clusters of this kind</a:t>
+            </a:r>
+            <a:endParaRPr lang="en-US" sz="2400" dirty="0"/>
+          </a:p>
+          <a:p>
+            <a:endParaRPr lang="en-IN" sz="2400" dirty="0"/>
+          </a:p>
+        </p:txBody>
+      </p:sp>
+      <p:pic>
+        <p:nvPicPr>
+          <p:cNvPr id="5" name="Picture 4">
+            <a:extLst>
+              <a:ext uri="{FF2B5EF4-FFF2-40B4-BE49-F238E27FC236}">
+                <a16:creationId xmlns:a16="http://schemas.microsoft.com/office/drawing/2014/main" id="{237B891F-6718-4F8F-A79E-CC9E66BC9037}"/>
+              </a:ext>
+            </a:extLst>
+          </p:cNvPr>
+          <p:cNvPicPr>
+            <a:picLocks noChangeAspect="1"/>
+          </p:cNvPicPr>
+          <p:nvPr/>
+        </p:nvPicPr>
+        <p:blipFill rotWithShape="1">
+          <a:blip r:embed="rId2"/>
+          <a:srcRect r="28945"/>
+          <a:stretch/>
+        </p:blipFill>
+        <p:spPr>
+          <a:xfrm>
+            <a:off x="7912217" y="3498073"/>
+            <a:ext cx="3152024" cy="3116293"/>
+          </a:xfrm>
+          <a:prstGeom prst="rect">
+            <a:avLst/>
+          </a:prstGeom>
+        </p:spPr>
+      </p:pic>
+      <p:pic>
+        <p:nvPicPr>
+          <p:cNvPr id="4" name="Picture 3">
+            <a:extLst>
+              <a:ext uri="{FF2B5EF4-FFF2-40B4-BE49-F238E27FC236}">
+                <a16:creationId xmlns:a16="http://schemas.microsoft.com/office/drawing/2014/main" id="{7BF6E99A-E641-423F-8B24-0EE86E3DB3DF}"/>
+              </a:ext>
+            </a:extLst>
+          </p:cNvPr>
+          <p:cNvPicPr>
+            <a:picLocks noChangeAspect="1"/>
+          </p:cNvPicPr>
+          <p:nvPr/>
+        </p:nvPicPr>
+        <p:blipFill>
+          <a:blip r:embed="rId3"/>
+          <a:stretch>
+            <a:fillRect/>
+          </a:stretch>
+        </p:blipFill>
+        <p:spPr>
+          <a:xfrm>
+            <a:off x="8055597" y="290741"/>
+            <a:ext cx="3008643" cy="2978557"/>
+          </a:xfrm>
+          <a:prstGeom prst="rect">
+            <a:avLst/>
+          </a:prstGeom>
+        </p:spPr>
+      </p:pic>
     </p:spTree>
     <p:extLst>
       <p:ext uri="{BB962C8B-B14F-4D97-AF65-F5344CB8AC3E}">
         <p14:creationId xmlns:p14="http://schemas.microsoft.com/office/powerpoint/2010/main" val="1283618582"/>
+      </p:ext>
+    </p:extLst>
+  </p:cSld>
+  <p:clrMapOvr>
+    <a:masterClrMapping/>
+  </p:clrMapOvr>
+</p:sld>
+</file>
+
+<file path=ppt/slides/slide6.xml><?xml version="1.0" encoding="utf-8"?>
+<p:sld xmlns:a="http://schemas.openxmlformats.org/drawingml/2006/main" xmlns:r="http://schemas.openxmlformats.org/officeDocument/2006/relationships" xmlns:p="http://schemas.openxmlformats.org/presentationml/2006/main">
+  <p:cSld>
+    <p:bg>
+      <p:bgPr>
+        <a:solidFill>
+          <a:schemeClr val="bg1"/>
+        </a:solidFill>
+        <a:effectLst/>
+      </p:bgPr>
+    </p:bg>
+    <p:spTree>
+      <p:nvGrpSpPr>
+        <p:cNvPr id="1" name=""/>
+        <p:cNvGrpSpPr/>
+        <p:nvPr/>
+      </p:nvGrpSpPr>
+      <p:grpSpPr>
+        <a:xfrm>
+          <a:off x="0" y="0"/>
+          <a:ext cx="0" cy="0"/>
+          <a:chOff x="0" y="0"/>
+          <a:chExt cx="0" cy="0"/>
+        </a:xfrm>
+      </p:grpSpPr>
+      <p:sp>
+        <p:nvSpPr>
+          <p:cNvPr id="10" name="Rectangle 9">
+            <a:extLst>
+              <a:ext uri="{FF2B5EF4-FFF2-40B4-BE49-F238E27FC236}">
+                <a16:creationId xmlns:a16="http://schemas.microsoft.com/office/drawing/2014/main" id="{E02F3C71-C981-4614-98EA-D6C494F8091E}"/>
+              </a:ext>
+              <a:ext uri="{C183D7F6-B498-43B3-948B-1728B52AA6E4}">
+                <adec:decorative xmlns:adec="http://schemas.microsoft.com/office/drawing/2017/decorative" val="1"/>
+              </a:ext>
+            </a:extLst>
+          </p:cNvPr>
+          <p:cNvSpPr>
+            <a:spLocks noGrp="1" noRot="1" noChangeAspect="1" noMove="1" noResize="1" noEditPoints="1" noAdjustHandles="1" noChangeArrowheads="1" noChangeShapeType="1" noTextEdit="1"/>
+          </p:cNvSpPr>
+          <p:nvPr>
+            <p:extLst>
+              <p:ext uri="{386F3935-93C4-4BCD-93E2-E3B085C9AB24}">
+                <p16:designElem xmlns:p16="http://schemas.microsoft.com/office/powerpoint/2015/main" val="1"/>
+              </p:ext>
+            </p:extLst>
+          </p:nvPr>
+        </p:nvSpPr>
+        <p:spPr bwMode="ltGray">
+          <a:xfrm>
+            <a:off x="336883" y="321176"/>
+            <a:ext cx="7174247" cy="5896743"/>
+          </a:xfrm>
+          <a:prstGeom prst="rect">
+            <a:avLst/>
+          </a:prstGeom>
+          <a:solidFill>
+            <a:schemeClr val="tx1">
+              <a:alpha val="15000"/>
+            </a:schemeClr>
+          </a:solidFill>
+          <a:ln w="127000" cap="sq" cmpd="thinThick">
+            <a:solidFill>
+              <a:schemeClr val="tx1">
+                <a:alpha val="10000"/>
+              </a:schemeClr>
+            </a:solidFill>
+          </a:ln>
+        </p:spPr>
+        <p:style>
+          <a:lnRef idx="2">
+            <a:schemeClr val="accent1">
+              <a:shade val="50000"/>
+            </a:schemeClr>
+          </a:lnRef>
+          <a:fillRef idx="1">
+            <a:schemeClr val="accent1"/>
+          </a:fillRef>
+          <a:effectRef idx="0">
+            <a:schemeClr val="accent1"/>
+          </a:effectRef>
+          <a:fontRef idx="minor">
+            <a:schemeClr val="lt1"/>
+          </a:fontRef>
+        </p:style>
+        <p:txBody>
+          <a:bodyPr rtlCol="0" anchor="ctr"/>
+          <a:lstStyle/>
+          <a:p>
+            <a:pPr algn="ctr"/>
+            <a:endParaRPr lang="en-US"/>
+          </a:p>
+        </p:txBody>
+      </p:sp>
+      <p:sp>
+        <p:nvSpPr>
+          <p:cNvPr id="2" name="Title 1">
+            <a:extLst>
+              <a:ext uri="{FF2B5EF4-FFF2-40B4-BE49-F238E27FC236}">
+                <a16:creationId xmlns:a16="http://schemas.microsoft.com/office/drawing/2014/main" id="{6B850E50-7EFB-44B0-B6DB-683892176AD5}"/>
+              </a:ext>
+            </a:extLst>
+          </p:cNvPr>
+          <p:cNvSpPr>
+            <a:spLocks noGrp="1"/>
+          </p:cNvSpPr>
+          <p:nvPr>
+            <p:ph type="title"/>
+          </p:nvPr>
+        </p:nvSpPr>
+        <p:spPr>
+          <a:xfrm>
+            <a:off x="821516" y="640263"/>
+            <a:ext cx="6204984" cy="1344975"/>
+          </a:xfrm>
+        </p:spPr>
+        <p:txBody>
+          <a:bodyPr>
+            <a:normAutofit/>
+          </a:bodyPr>
+          <a:lstStyle/>
+          <a:p>
+            <a:r>
+              <a:rPr lang="en-US" sz="4000"/>
+              <a:t>How to identify the clusters</a:t>
+            </a:r>
+            <a:endParaRPr lang="en-IN" sz="4000"/>
+          </a:p>
+        </p:txBody>
+      </p:sp>
+      <p:sp>
+        <p:nvSpPr>
+          <p:cNvPr id="3" name="Content Placeholder 2">
+            <a:extLst>
+              <a:ext uri="{FF2B5EF4-FFF2-40B4-BE49-F238E27FC236}">
+                <a16:creationId xmlns:a16="http://schemas.microsoft.com/office/drawing/2014/main" id="{8930C455-CB0C-4316-A657-2109F9E6EC5F}"/>
+              </a:ext>
+            </a:extLst>
+          </p:cNvPr>
+          <p:cNvSpPr>
+            <a:spLocks noGrp="1"/>
+          </p:cNvSpPr>
+          <p:nvPr>
+            <p:ph idx="1"/>
+          </p:nvPr>
+        </p:nvSpPr>
+        <p:spPr>
+          <a:xfrm>
+            <a:off x="821515" y="2121762"/>
+            <a:ext cx="6204984" cy="3626917"/>
+          </a:xfrm>
+        </p:spPr>
+        <p:txBody>
+          <a:bodyPr>
+            <a:normAutofit/>
+          </a:bodyPr>
+          <a:lstStyle/>
+          <a:p>
+            <a:r>
+              <a:rPr lang="en-US" sz="2400" dirty="0"/>
+              <a:t>So is there a clustering method which can identify clusters that are weirdly shaped?</a:t>
+            </a:r>
+          </a:p>
+          <a:p>
+            <a:r>
+              <a:rPr lang="en-US" sz="2400" dirty="0"/>
+              <a:t>Yes! Enter single linkage hierarchical clustering – One of it’s distinguishing feature is that it produces </a:t>
+            </a:r>
+            <a:r>
+              <a:rPr lang="en-IN" sz="2400" dirty="0"/>
+              <a:t>long thin clusters in which nearby elements of the same cluster have small distances, but elements at opposite ends of a cluster may be much farther from each other.</a:t>
+            </a:r>
+            <a:endParaRPr lang="en-US" sz="2400" dirty="0"/>
+          </a:p>
+          <a:p>
+            <a:endParaRPr lang="en-IN" sz="2400" dirty="0"/>
+          </a:p>
+        </p:txBody>
+      </p:sp>
+      <p:pic>
+        <p:nvPicPr>
+          <p:cNvPr id="5" name="Picture 4">
+            <a:extLst>
+              <a:ext uri="{FF2B5EF4-FFF2-40B4-BE49-F238E27FC236}">
+                <a16:creationId xmlns:a16="http://schemas.microsoft.com/office/drawing/2014/main" id="{CC5C3C32-AA95-45A2-A469-99C48D6B6665}"/>
+              </a:ext>
+            </a:extLst>
+          </p:cNvPr>
+          <p:cNvPicPr>
+            <a:picLocks noChangeAspect="1"/>
+          </p:cNvPicPr>
+          <p:nvPr/>
+        </p:nvPicPr>
+        <p:blipFill rotWithShape="1">
+          <a:blip r:embed="rId2">
+            <a:extLst>
+              <a:ext uri="{28A0092B-C50C-407E-A947-70E740481C1C}">
+                <a14:useLocalDpi xmlns:a14="http://schemas.microsoft.com/office/drawing/2010/main" val="0"/>
+              </a:ext>
+            </a:extLst>
+          </a:blip>
+          <a:srcRect r="25987"/>
+          <a:stretch/>
+        </p:blipFill>
+        <p:spPr>
+          <a:xfrm>
+            <a:off x="7894320" y="3457599"/>
+            <a:ext cx="3088640" cy="3005622"/>
+          </a:xfrm>
+          <a:prstGeom prst="rect">
+            <a:avLst/>
+          </a:prstGeom>
+        </p:spPr>
+      </p:pic>
+      <p:pic>
+        <p:nvPicPr>
+          <p:cNvPr id="4" name="Picture 3">
+            <a:extLst>
+              <a:ext uri="{FF2B5EF4-FFF2-40B4-BE49-F238E27FC236}">
+                <a16:creationId xmlns:a16="http://schemas.microsoft.com/office/drawing/2014/main" id="{B287B309-A31E-4237-87D1-1552C3AB0A45}"/>
+              </a:ext>
+            </a:extLst>
+          </p:cNvPr>
+          <p:cNvPicPr>
+            <a:picLocks noChangeAspect="1"/>
+          </p:cNvPicPr>
+          <p:nvPr/>
+        </p:nvPicPr>
+        <p:blipFill>
+          <a:blip r:embed="rId3"/>
+          <a:stretch>
+            <a:fillRect/>
+          </a:stretch>
+        </p:blipFill>
+        <p:spPr>
+          <a:xfrm>
+            <a:off x="7995762" y="421758"/>
+            <a:ext cx="2987198" cy="2957326"/>
+          </a:xfrm>
+          <a:prstGeom prst="rect">
+            <a:avLst/>
+          </a:prstGeom>
+        </p:spPr>
+      </p:pic>
+    </p:spTree>
+    <p:extLst>
+      <p:ext uri="{BB962C8B-B14F-4D97-AF65-F5344CB8AC3E}">
+        <p14:creationId xmlns:p14="http://schemas.microsoft.com/office/powerpoint/2010/main" val="2909115213"/>
+      </p:ext>
+    </p:extLst>
+  </p:cSld>
+  <p:clrMapOvr>
+    <a:masterClrMapping/>
+  </p:clrMapOvr>
+</p:sld>
+</file>
+
+<file path=ppt/slides/slide7.xml><?xml version="1.0" encoding="utf-8"?>
+<p:sld xmlns:a="http://schemas.openxmlformats.org/drawingml/2006/main" xmlns:r="http://schemas.openxmlformats.org/officeDocument/2006/relationships" xmlns:p="http://schemas.openxmlformats.org/presentationml/2006/main">
+  <p:cSld>
+    <p:spTree>
+      <p:nvGrpSpPr>
+        <p:cNvPr id="1" name=""/>
+        <p:cNvGrpSpPr/>
+        <p:nvPr/>
+      </p:nvGrpSpPr>
+      <p:grpSpPr>
+        <a:xfrm>
+          <a:off x="0" y="0"/>
+          <a:ext cx="0" cy="0"/>
+          <a:chOff x="0" y="0"/>
+          <a:chExt cx="0" cy="0"/>
+        </a:xfrm>
+      </p:grpSpPr>
+      <p:sp>
+        <p:nvSpPr>
+          <p:cNvPr id="2" name="Title 1">
+            <a:extLst>
+              <a:ext uri="{FF2B5EF4-FFF2-40B4-BE49-F238E27FC236}">
+                <a16:creationId xmlns:a16="http://schemas.microsoft.com/office/drawing/2014/main" id="{9D5BF59D-708E-4278-B672-5ADE784FEFBD}"/>
+              </a:ext>
+            </a:extLst>
+          </p:cNvPr>
+          <p:cNvSpPr>
+            <a:spLocks noGrp="1"/>
+          </p:cNvSpPr>
+          <p:nvPr>
+            <p:ph type="title"/>
+          </p:nvPr>
+        </p:nvSpPr>
+        <p:spPr/>
+        <p:txBody>
+          <a:bodyPr/>
+          <a:lstStyle/>
+          <a:p>
+            <a:r>
+              <a:rPr lang="en-US" dirty="0"/>
+              <a:t>Does it work in our case?</a:t>
+            </a:r>
+            <a:endParaRPr lang="en-IN" dirty="0"/>
+          </a:p>
+        </p:txBody>
+      </p:sp>
+      <p:sp>
+        <p:nvSpPr>
+          <p:cNvPr id="3" name="Content Placeholder 2">
+            <a:extLst>
+              <a:ext uri="{FF2B5EF4-FFF2-40B4-BE49-F238E27FC236}">
+                <a16:creationId xmlns:a16="http://schemas.microsoft.com/office/drawing/2014/main" id="{ABA99397-1E92-483B-8F95-FE8F57E71284}"/>
+              </a:ext>
+            </a:extLst>
+          </p:cNvPr>
+          <p:cNvSpPr>
+            <a:spLocks noGrp="1"/>
+          </p:cNvSpPr>
+          <p:nvPr>
+            <p:ph idx="1"/>
+          </p:nvPr>
+        </p:nvSpPr>
+        <p:spPr/>
+        <p:txBody>
+          <a:bodyPr/>
+          <a:lstStyle/>
+          <a:p>
+            <a:r>
+              <a:rPr lang="en-US" dirty="0"/>
+              <a:t>Experiment 1</a:t>
+            </a:r>
+          </a:p>
+          <a:p>
+            <a:r>
+              <a:rPr lang="en-US" dirty="0"/>
+              <a:t>20000 projections</a:t>
+            </a:r>
+          </a:p>
+          <a:p>
+            <a:r>
+              <a:rPr lang="en-US" dirty="0"/>
+              <a:t>3 classes</a:t>
+            </a:r>
+          </a:p>
+          <a:p>
+            <a:r>
+              <a:rPr lang="en-US" dirty="0"/>
+              <a:t>20% noise</a:t>
+            </a:r>
+          </a:p>
+          <a:p>
+            <a:endParaRPr lang="en-US" dirty="0"/>
+          </a:p>
+          <a:p>
+            <a:endParaRPr lang="en-IN" dirty="0"/>
+          </a:p>
+        </p:txBody>
+      </p:sp>
+      <p:graphicFrame>
+        <p:nvGraphicFramePr>
+          <p:cNvPr id="5" name="Object 4">
+            <a:extLst>
+              <a:ext uri="{FF2B5EF4-FFF2-40B4-BE49-F238E27FC236}">
+                <a16:creationId xmlns:a16="http://schemas.microsoft.com/office/drawing/2014/main" id="{E841E630-EA9E-41D4-9120-8073D21FC509}"/>
+              </a:ext>
+            </a:extLst>
+          </p:cNvPr>
+          <p:cNvGraphicFramePr>
+            <a:graphicFrameLocks noChangeAspect="1"/>
+          </p:cNvGraphicFramePr>
+          <p:nvPr>
+            <p:extLst>
+              <p:ext uri="{D42A27DB-BD31-4B8C-83A1-F6EECF244321}">
+                <p14:modId xmlns:p14="http://schemas.microsoft.com/office/powerpoint/2010/main" val="1439376553"/>
+              </p:ext>
+            </p:extLst>
+          </p:nvPr>
+        </p:nvGraphicFramePr>
+        <p:xfrm>
+          <a:off x="4864120" y="4470400"/>
+          <a:ext cx="2463759" cy="749300"/>
+        </p:xfrm>
+        <a:graphic>
+          <a:graphicData uri="http://schemas.openxmlformats.org/presentationml/2006/ole">
+            <mc:AlternateContent xmlns:mc="http://schemas.openxmlformats.org/markup-compatibility/2006">
+              <mc:Choice xmlns:v="urn:schemas-microsoft-com:vml" Requires="v">
+                <p:oleObj spid="_x0000_s1026" name="Packager Shell Object" showAsIcon="1" r:id="rId3" imgW="1576080" imgH="478800" progId="Package">
+                  <p:embed/>
+                </p:oleObj>
+              </mc:Choice>
+              <mc:Fallback>
+                <p:oleObj name="Packager Shell Object" showAsIcon="1" r:id="rId3" imgW="1576080" imgH="478800" progId="Package">
+                  <p:embed/>
+                  <p:pic>
+                    <p:nvPicPr>
+                      <p:cNvPr id="5" name="Object 4">
+                        <a:extLst>
+                          <a:ext uri="{FF2B5EF4-FFF2-40B4-BE49-F238E27FC236}">
+                            <a16:creationId xmlns:a16="http://schemas.microsoft.com/office/drawing/2014/main" id="{E841E630-EA9E-41D4-9120-8073D21FC509}"/>
+                          </a:ext>
+                        </a:extLst>
+                      </p:cNvPr>
+                      <p:cNvPicPr/>
+                      <p:nvPr/>
+                    </p:nvPicPr>
+                    <p:blipFill>
+                      <a:blip r:embed="rId4"/>
+                      <a:stretch>
+                        <a:fillRect/>
+                      </a:stretch>
+                    </p:blipFill>
+                    <p:spPr>
+                      <a:xfrm>
+                        <a:off x="4864120" y="4470400"/>
+                        <a:ext cx="2463759" cy="749300"/>
+                      </a:xfrm>
+                      <a:prstGeom prst="rect">
+                        <a:avLst/>
+                      </a:prstGeom>
+                    </p:spPr>
+                  </p:pic>
+                </p:oleObj>
+              </mc:Fallback>
+            </mc:AlternateContent>
+          </a:graphicData>
+        </a:graphic>
+      </p:graphicFrame>
+    </p:spTree>
+    <p:extLst>
+      <p:ext uri="{BB962C8B-B14F-4D97-AF65-F5344CB8AC3E}">
+        <p14:creationId xmlns:p14="http://schemas.microsoft.com/office/powerpoint/2010/main" val="3368495655"/>
+      </p:ext>
+    </p:extLst>
+  </p:cSld>
+  <p:clrMapOvr>
+    <a:masterClrMapping/>
+  </p:clrMapOvr>
+</p:sld>
+</file>
+
+<file path=ppt/slides/slide8.xml><?xml version="1.0" encoding="utf-8"?>
+<p:sld xmlns:a="http://schemas.openxmlformats.org/drawingml/2006/main" xmlns:r="http://schemas.openxmlformats.org/officeDocument/2006/relationships" xmlns:p="http://schemas.openxmlformats.org/presentationml/2006/main">
+  <p:cSld>
+    <p:spTree>
+      <p:nvGrpSpPr>
+        <p:cNvPr id="1" name=""/>
+        <p:cNvGrpSpPr/>
+        <p:nvPr/>
+      </p:nvGrpSpPr>
+      <p:grpSpPr>
+        <a:xfrm>
+          <a:off x="0" y="0"/>
+          <a:ext cx="0" cy="0"/>
+          <a:chOff x="0" y="0"/>
+          <a:chExt cx="0" cy="0"/>
+        </a:xfrm>
+      </p:grpSpPr>
+      <p:sp>
+        <p:nvSpPr>
+          <p:cNvPr id="2" name="Title 1">
+            <a:extLst>
+              <a:ext uri="{FF2B5EF4-FFF2-40B4-BE49-F238E27FC236}">
+                <a16:creationId xmlns:a16="http://schemas.microsoft.com/office/drawing/2014/main" id="{2C2D4AE0-85B0-4B56-BFF4-865AE074E1EE}"/>
+              </a:ext>
+            </a:extLst>
+          </p:cNvPr>
+          <p:cNvSpPr>
+            <a:spLocks noGrp="1"/>
+          </p:cNvSpPr>
+          <p:nvPr>
+            <p:ph type="title"/>
+          </p:nvPr>
+        </p:nvSpPr>
+        <p:spPr/>
+        <p:txBody>
+          <a:bodyPr/>
+          <a:lstStyle/>
+          <a:p>
+            <a:r>
+              <a:rPr lang="en-US" dirty="0"/>
+              <a:t>In some cases, it also fails</a:t>
+            </a:r>
+            <a:endParaRPr lang="en-IN" dirty="0"/>
+          </a:p>
+        </p:txBody>
+      </p:sp>
+      <p:sp>
+        <p:nvSpPr>
+          <p:cNvPr id="3" name="Content Placeholder 2">
+            <a:extLst>
+              <a:ext uri="{FF2B5EF4-FFF2-40B4-BE49-F238E27FC236}">
+                <a16:creationId xmlns:a16="http://schemas.microsoft.com/office/drawing/2014/main" id="{609D9759-CF94-4443-A048-CFA79BF8A4B2}"/>
+              </a:ext>
+            </a:extLst>
+          </p:cNvPr>
+          <p:cNvSpPr>
+            <a:spLocks noGrp="1"/>
+          </p:cNvSpPr>
+          <p:nvPr>
+            <p:ph idx="1"/>
+          </p:nvPr>
+        </p:nvSpPr>
+        <p:spPr/>
+        <p:txBody>
+          <a:bodyPr/>
+          <a:lstStyle/>
+          <a:p>
+            <a:r>
+              <a:rPr lang="en-US" dirty="0"/>
+              <a:t>Experiment 2</a:t>
+            </a:r>
+          </a:p>
+          <a:p>
+            <a:r>
+              <a:rPr lang="en-US" dirty="0"/>
+              <a:t>10000 projections</a:t>
+            </a:r>
+          </a:p>
+          <a:p>
+            <a:r>
+              <a:rPr lang="en-US" dirty="0"/>
+              <a:t>3 classes</a:t>
+            </a:r>
+          </a:p>
+          <a:p>
+            <a:r>
+              <a:rPr lang="en-US" dirty="0"/>
+              <a:t>35% noise</a:t>
+            </a:r>
+          </a:p>
+          <a:p>
+            <a:endParaRPr lang="en-IN" dirty="0"/>
+          </a:p>
+        </p:txBody>
+      </p:sp>
+      <p:graphicFrame>
+        <p:nvGraphicFramePr>
+          <p:cNvPr id="4" name="Object 3">
+            <a:extLst>
+              <a:ext uri="{FF2B5EF4-FFF2-40B4-BE49-F238E27FC236}">
+                <a16:creationId xmlns:a16="http://schemas.microsoft.com/office/drawing/2014/main" id="{BDD67FD2-B835-40F2-B0A4-25C7784C2059}"/>
+              </a:ext>
+            </a:extLst>
+          </p:cNvPr>
+          <p:cNvGraphicFramePr>
+            <a:graphicFrameLocks noChangeAspect="1"/>
+          </p:cNvGraphicFramePr>
+          <p:nvPr>
+            <p:extLst>
+              <p:ext uri="{D42A27DB-BD31-4B8C-83A1-F6EECF244321}">
+                <p14:modId xmlns:p14="http://schemas.microsoft.com/office/powerpoint/2010/main" val="1928668467"/>
+              </p:ext>
+            </p:extLst>
+          </p:nvPr>
+        </p:nvGraphicFramePr>
+        <p:xfrm>
+          <a:off x="4864120" y="4803775"/>
+          <a:ext cx="2463759" cy="749300"/>
+        </p:xfrm>
+        <a:graphic>
+          <a:graphicData uri="http://schemas.openxmlformats.org/presentationml/2006/ole">
+            <mc:AlternateContent xmlns:mc="http://schemas.openxmlformats.org/markup-compatibility/2006">
+              <mc:Choice xmlns:v="urn:schemas-microsoft-com:vml" Requires="v">
+                <p:oleObj spid="_x0000_s2050" name="Packager Shell Object" showAsIcon="1" r:id="rId3" imgW="1576080" imgH="478800" progId="Package">
+                  <p:embed/>
+                </p:oleObj>
+              </mc:Choice>
+              <mc:Fallback>
+                <p:oleObj name="Packager Shell Object" showAsIcon="1" r:id="rId3" imgW="1576080" imgH="478800" progId="Package">
+                  <p:embed/>
+                  <p:pic>
+                    <p:nvPicPr>
+                      <p:cNvPr id="4" name="Object 3">
+                        <a:extLst>
+                          <a:ext uri="{FF2B5EF4-FFF2-40B4-BE49-F238E27FC236}">
+                            <a16:creationId xmlns:a16="http://schemas.microsoft.com/office/drawing/2014/main" id="{BDD67FD2-B835-40F2-B0A4-25C7784C2059}"/>
+                          </a:ext>
+                        </a:extLst>
+                      </p:cNvPr>
+                      <p:cNvPicPr/>
+                      <p:nvPr/>
+                    </p:nvPicPr>
+                    <p:blipFill>
+                      <a:blip r:embed="rId4"/>
+                      <a:stretch>
+                        <a:fillRect/>
+                      </a:stretch>
+                    </p:blipFill>
+                    <p:spPr>
+                      <a:xfrm>
+                        <a:off x="4864120" y="4803775"/>
+                        <a:ext cx="2463759" cy="749300"/>
+                      </a:xfrm>
+                      <a:prstGeom prst="rect">
+                        <a:avLst/>
+                      </a:prstGeom>
+                    </p:spPr>
+                  </p:pic>
+                </p:oleObj>
+              </mc:Fallback>
+            </mc:AlternateContent>
+          </a:graphicData>
+        </a:graphic>
+      </p:graphicFrame>
+    </p:spTree>
+    <p:extLst>
+      <p:ext uri="{BB962C8B-B14F-4D97-AF65-F5344CB8AC3E}">
+        <p14:creationId xmlns:p14="http://schemas.microsoft.com/office/powerpoint/2010/main" val="2844177642"/>
       </p:ext>
     </p:extLst>
   </p:cSld>

--- a/reports/Project Status 11.pptx
+++ b/reports/Project Status 11.pptx
@@ -122,13 +122,37 @@
 <file path=ppt/revisionInfo.xml><?xml version="1.0" encoding="utf-8"?>
 <p1510:revInfo xmlns:a="http://schemas.openxmlformats.org/drawingml/2006/main" xmlns:r="http://schemas.openxmlformats.org/officeDocument/2006/relationships" xmlns:p1510="http://schemas.microsoft.com/office/powerpoint/2015/10/main">
   <p1510:revLst>
-    <p1510:client id="{DF9C7FDC-41BD-4101-9576-5270C8D7EB0C}" v="56" dt="2018-10-16T05:40:20.333"/>
+    <p1510:client id="{26F3F96D-CDA8-4BC3-B1D4-88BC8B8146BD}" v="4" dt="2018-11-03T15:21:04.241"/>
   </p1510:revLst>
 </p1510:revInfo>
 </file>
 
 <file path=ppt/changesInfos/changesInfo1.xml><?xml version="1.0" encoding="utf-8"?>
 <pc:chgInfo xmlns:a="http://schemas.openxmlformats.org/drawingml/2006/main" xmlns:r="http://schemas.openxmlformats.org/officeDocument/2006/relationships" xmlns:ac="http://schemas.microsoft.com/office/drawing/2013/main/command" xmlns:pc="http://schemas.microsoft.com/office/powerpoint/2013/main/command">
+  <pc:docChgLst>
+    <pc:chgData name="Arunabh Ghosh" userId="7064b204c6fa9c53" providerId="LiveId" clId="{26F3F96D-CDA8-4BC3-B1D4-88BC8B8146BD}"/>
+    <pc:docChg chg="modSld">
+      <pc:chgData name="Arunabh Ghosh" userId="7064b204c6fa9c53" providerId="LiveId" clId="{26F3F96D-CDA8-4BC3-B1D4-88BC8B8146BD}" dt="2018-11-02T16:42:53.229" v="0"/>
+      <pc:docMkLst>
+        <pc:docMk/>
+      </pc:docMkLst>
+      <pc:sldChg chg="modSp">
+        <pc:chgData name="Arunabh Ghosh" userId="7064b204c6fa9c53" providerId="LiveId" clId="{26F3F96D-CDA8-4BC3-B1D4-88BC8B8146BD}" dt="2018-11-02T16:42:53.229" v="0"/>
+        <pc:sldMkLst>
+          <pc:docMk/>
+          <pc:sldMk cId="3368495655" sldId="262"/>
+        </pc:sldMkLst>
+        <pc:graphicFrameChg chg="mod">
+          <ac:chgData name="Arunabh Ghosh" userId="7064b204c6fa9c53" providerId="LiveId" clId="{26F3F96D-CDA8-4BC3-B1D4-88BC8B8146BD}" dt="2018-11-02T16:42:53.229" v="0"/>
+          <ac:graphicFrameMkLst>
+            <pc:docMk/>
+            <pc:sldMk cId="3368495655" sldId="262"/>
+            <ac:graphicFrameMk id="5" creationId="{E841E630-EA9E-41D4-9120-8073D21FC509}"/>
+          </ac:graphicFrameMkLst>
+        </pc:graphicFrameChg>
+      </pc:sldChg>
+    </pc:docChg>
+  </pc:docChgLst>
   <pc:docChgLst>
     <pc:chgData name="Arunabh Ghosh" userId="7064b204c6fa9c53" providerId="LiveId" clId="{DF9C7FDC-41BD-4101-9576-5270C8D7EB0C}"/>
     <pc:docChg chg="undo redo custSel mod addSld delSld modSld">
@@ -301,29 +325,6 @@
           </ac:graphicFrameMkLst>
         </pc:graphicFrameChg>
       </pc:sldChg>
-      <pc:sldChg chg="modSp add del">
-        <pc:chgData name="Arunabh Ghosh" userId="7064b204c6fa9c53" providerId="LiveId" clId="{DF9C7FDC-41BD-4101-9576-5270C8D7EB0C}" dt="2018-10-15T18:43:28.201" v="793" actId="2696"/>
-        <pc:sldMkLst>
-          <pc:docMk/>
-          <pc:sldMk cId="2314131799" sldId="263"/>
-        </pc:sldMkLst>
-        <pc:spChg chg="mod">
-          <ac:chgData name="Arunabh Ghosh" userId="7064b204c6fa9c53" providerId="LiveId" clId="{DF9C7FDC-41BD-4101-9576-5270C8D7EB0C}" dt="2018-10-15T18:29:04.608" v="778"/>
-          <ac:spMkLst>
-            <pc:docMk/>
-            <pc:sldMk cId="2314131799" sldId="263"/>
-            <ac:spMk id="2" creationId="{BCD31DEA-ACEB-403C-9E83-1AA5AC35C401}"/>
-          </ac:spMkLst>
-        </pc:spChg>
-        <pc:spChg chg="mod">
-          <ac:chgData name="Arunabh Ghosh" userId="7064b204c6fa9c53" providerId="LiveId" clId="{DF9C7FDC-41BD-4101-9576-5270C8D7EB0C}" dt="2018-10-15T18:34:43.398" v="791" actId="20577"/>
-          <ac:spMkLst>
-            <pc:docMk/>
-            <pc:sldMk cId="2314131799" sldId="263"/>
-            <ac:spMk id="3" creationId="{740E94F0-C72A-4B12-AF8E-AE496CA99A78}"/>
-          </ac:spMkLst>
-        </pc:spChg>
-      </pc:sldChg>
       <pc:sldChg chg="addSp modSp add">
         <pc:chgData name="Arunabh Ghosh" userId="7064b204c6fa9c53" providerId="LiveId" clId="{DF9C7FDC-41BD-4101-9576-5270C8D7EB0C}" dt="2018-10-16T05:29:57.202" v="851"/>
         <pc:sldMkLst>
@@ -355,37 +356,6 @@
           </ac:graphicFrameMkLst>
         </pc:graphicFrameChg>
       </pc:sldChg>
-      <pc:sldChg chg="addSp delSp modSp add del">
-        <pc:chgData name="Arunabh Ghosh" userId="7064b204c6fa9c53" providerId="LiveId" clId="{DF9C7FDC-41BD-4101-9576-5270C8D7EB0C}" dt="2018-10-16T05:32:25.561" v="859"/>
-        <pc:sldMkLst>
-          <pc:docMk/>
-          <pc:sldMk cId="2126895145" sldId="264"/>
-        </pc:sldMkLst>
-        <pc:spChg chg="mod">
-          <ac:chgData name="Arunabh Ghosh" userId="7064b204c6fa9c53" providerId="LiveId" clId="{DF9C7FDC-41BD-4101-9576-5270C8D7EB0C}" dt="2018-10-16T05:29:00.207" v="844" actId="20577"/>
-          <ac:spMkLst>
-            <pc:docMk/>
-            <pc:sldMk cId="2126895145" sldId="264"/>
-            <ac:spMk id="3" creationId="{ABA99397-1E92-483B-8F95-FE8F57E71284}"/>
-          </ac:spMkLst>
-        </pc:spChg>
-        <pc:graphicFrameChg chg="add mod">
-          <ac:chgData name="Arunabh Ghosh" userId="7064b204c6fa9c53" providerId="LiveId" clId="{DF9C7FDC-41BD-4101-9576-5270C8D7EB0C}" dt="2018-10-16T05:32:25.561" v="859"/>
-          <ac:graphicFrameMkLst>
-            <pc:docMk/>
-            <pc:sldMk cId="2126895145" sldId="264"/>
-            <ac:graphicFrameMk id="4" creationId="{1198992B-E9EA-4CC5-B4A6-A3A49A95C7AF}"/>
-          </ac:graphicFrameMkLst>
-        </pc:graphicFrameChg>
-        <pc:graphicFrameChg chg="del">
-          <ac:chgData name="Arunabh Ghosh" userId="7064b204c6fa9c53" providerId="LiveId" clId="{DF9C7FDC-41BD-4101-9576-5270C8D7EB0C}" dt="2018-10-16T05:29:39.280" v="848" actId="478"/>
-          <ac:graphicFrameMkLst>
-            <pc:docMk/>
-            <pc:sldMk cId="2126895145" sldId="264"/>
-            <ac:graphicFrameMk id="5" creationId="{E841E630-EA9E-41D4-9120-8073D21FC509}"/>
-          </ac:graphicFrameMkLst>
-        </pc:graphicFrameChg>
-      </pc:sldChg>
     </pc:docChg>
   </pc:docChgLst>
 </pc:chgInfo>
@@ -540,7 +510,7 @@
           <a:p>
             <a:fld id="{7754EFD0-D016-4769-A6DB-24DE9C68DA28}" type="datetimeFigureOut">
               <a:rPr lang="en-IN" smtClean="0"/>
-              <a:t>16-10-2018</a:t>
+              <a:t>03-11-2018</a:t>
             </a:fld>
             <a:endParaRPr lang="en-IN"/>
           </a:p>
@@ -740,7 +710,7 @@
           <a:p>
             <a:fld id="{7754EFD0-D016-4769-A6DB-24DE9C68DA28}" type="datetimeFigureOut">
               <a:rPr lang="en-IN" smtClean="0"/>
-              <a:t>16-10-2018</a:t>
+              <a:t>03-11-2018</a:t>
             </a:fld>
             <a:endParaRPr lang="en-IN"/>
           </a:p>
@@ -950,7 +920,7 @@
           <a:p>
             <a:fld id="{7754EFD0-D016-4769-A6DB-24DE9C68DA28}" type="datetimeFigureOut">
               <a:rPr lang="en-IN" smtClean="0"/>
-              <a:t>16-10-2018</a:t>
+              <a:t>03-11-2018</a:t>
             </a:fld>
             <a:endParaRPr lang="en-IN"/>
           </a:p>
@@ -1150,7 +1120,7 @@
           <a:p>
             <a:fld id="{7754EFD0-D016-4769-A6DB-24DE9C68DA28}" type="datetimeFigureOut">
               <a:rPr lang="en-IN" smtClean="0"/>
-              <a:t>16-10-2018</a:t>
+              <a:t>03-11-2018</a:t>
             </a:fld>
             <a:endParaRPr lang="en-IN"/>
           </a:p>
@@ -1426,7 +1396,7 @@
           <a:p>
             <a:fld id="{7754EFD0-D016-4769-A6DB-24DE9C68DA28}" type="datetimeFigureOut">
               <a:rPr lang="en-IN" smtClean="0"/>
-              <a:t>16-10-2018</a:t>
+              <a:t>03-11-2018</a:t>
             </a:fld>
             <a:endParaRPr lang="en-IN"/>
           </a:p>
@@ -1694,7 +1664,7 @@
           <a:p>
             <a:fld id="{7754EFD0-D016-4769-A6DB-24DE9C68DA28}" type="datetimeFigureOut">
               <a:rPr lang="en-IN" smtClean="0"/>
-              <a:t>16-10-2018</a:t>
+              <a:t>03-11-2018</a:t>
             </a:fld>
             <a:endParaRPr lang="en-IN"/>
           </a:p>
@@ -2109,7 +2079,7 @@
           <a:p>
             <a:fld id="{7754EFD0-D016-4769-A6DB-24DE9C68DA28}" type="datetimeFigureOut">
               <a:rPr lang="en-IN" smtClean="0"/>
-              <a:t>16-10-2018</a:t>
+              <a:t>03-11-2018</a:t>
             </a:fld>
             <a:endParaRPr lang="en-IN"/>
           </a:p>
@@ -2251,7 +2221,7 @@
           <a:p>
             <a:fld id="{7754EFD0-D016-4769-A6DB-24DE9C68DA28}" type="datetimeFigureOut">
               <a:rPr lang="en-IN" smtClean="0"/>
-              <a:t>16-10-2018</a:t>
+              <a:t>03-11-2018</a:t>
             </a:fld>
             <a:endParaRPr lang="en-IN"/>
           </a:p>
@@ -2364,7 +2334,7 @@
           <a:p>
             <a:fld id="{7754EFD0-D016-4769-A6DB-24DE9C68DA28}" type="datetimeFigureOut">
               <a:rPr lang="en-IN" smtClean="0"/>
-              <a:t>16-10-2018</a:t>
+              <a:t>03-11-2018</a:t>
             </a:fld>
             <a:endParaRPr lang="en-IN"/>
           </a:p>
@@ -2677,7 +2647,7 @@
           <a:p>
             <a:fld id="{7754EFD0-D016-4769-A6DB-24DE9C68DA28}" type="datetimeFigureOut">
               <a:rPr lang="en-IN" smtClean="0"/>
-              <a:t>16-10-2018</a:t>
+              <a:t>03-11-2018</a:t>
             </a:fld>
             <a:endParaRPr lang="en-IN"/>
           </a:p>
@@ -2966,7 +2936,7 @@
           <a:p>
             <a:fld id="{7754EFD0-D016-4769-A6DB-24DE9C68DA28}" type="datetimeFigureOut">
               <a:rPr lang="en-IN" smtClean="0"/>
-              <a:t>16-10-2018</a:t>
+              <a:t>03-11-2018</a:t>
             </a:fld>
             <a:endParaRPr lang="en-IN"/>
           </a:p>
@@ -3209,7 +3179,7 @@
           <a:p>
             <a:fld id="{7754EFD0-D016-4769-A6DB-24DE9C68DA28}" type="datetimeFigureOut">
               <a:rPr lang="en-IN" smtClean="0"/>
-              <a:t>16-10-2018</a:t>
+              <a:t>03-11-2018</a:t>
             </a:fld>
             <a:endParaRPr lang="en-IN"/>
           </a:p>
@@ -5084,7 +5054,7 @@
           <p:nvPr>
             <p:extLst>
               <p:ext uri="{D42A27DB-BD31-4B8C-83A1-F6EECF244321}">
-                <p14:modId xmlns:p14="http://schemas.microsoft.com/office/powerpoint/2010/main" val="1439376553"/>
+                <p14:modId xmlns:p14="http://schemas.microsoft.com/office/powerpoint/2010/main" val="3832505603"/>
               </p:ext>
             </p:extLst>
           </p:nvPr>
@@ -5261,7 +5231,7 @@
           <p:nvPr>
             <p:extLst>
               <p:ext uri="{D42A27DB-BD31-4B8C-83A1-F6EECF244321}">
-                <p14:modId xmlns:p14="http://schemas.microsoft.com/office/powerpoint/2010/main" val="1928668467"/>
+                <p14:modId xmlns:p14="http://schemas.microsoft.com/office/powerpoint/2010/main" val="1343229656"/>
               </p:ext>
             </p:extLst>
           </p:nvPr>
